--- a/presentation/Pitch.pptx
+++ b/presentation/Pitch.pptx
@@ -7,24 +7,14 @@
   <p:sldIdLst>
     <p:sldId id="256" r:id="rId2"/>
     <p:sldId id="257" r:id="rId3"/>
-    <p:sldId id="258" r:id="rId4"/>
-    <p:sldId id="259" r:id="rId5"/>
-    <p:sldId id="260" r:id="rId6"/>
-    <p:sldId id="261" r:id="rId7"/>
-    <p:sldId id="262" r:id="rId8"/>
-    <p:sldId id="263" r:id="rId9"/>
-    <p:sldId id="264" r:id="rId10"/>
-    <p:sldId id="265" r:id="rId11"/>
-    <p:sldId id="266" r:id="rId12"/>
-    <p:sldId id="267" r:id="rId13"/>
-    <p:sldId id="268" r:id="rId14"/>
-    <p:sldId id="269" r:id="rId15"/>
-    <p:sldId id="270" r:id="rId16"/>
-    <p:sldId id="271" r:id="rId17"/>
-    <p:sldId id="272" r:id="rId18"/>
-    <p:sldId id="273" r:id="rId19"/>
-    <p:sldId id="274" r:id="rId20"/>
-    <p:sldId id="275" r:id="rId21"/>
+    <p:sldId id="259" r:id="rId4"/>
+    <p:sldId id="261" r:id="rId5"/>
+    <p:sldId id="263" r:id="rId6"/>
+    <p:sldId id="265" r:id="rId7"/>
+    <p:sldId id="269" r:id="rId8"/>
+    <p:sldId id="271" r:id="rId9"/>
+    <p:sldId id="273" r:id="rId10"/>
+    <p:sldId id="275" r:id="rId11"/>
   </p:sldIdLst>
   <p:sldSz cx="9144000" cy="6858000" type="screen4x3"/>
   <p:notesSz cx="6858000" cy="9144000"/>
@@ -280,7 +270,7 @@
             <a:fld id="{241EB5C9-1307-BA42-ABA2-0BC069CD8E7F}" type="datetimeFigureOut">
               <a:rPr lang="en-US" smtClean="0"/>
               <a:pPr/>
-              <a:t>7/10/2025</a:t>
+              <a:t>7/14/2025</a:t>
             </a:fld>
             <a:endParaRPr lang="en-US"/>
           </a:p>
@@ -1151,7 +1141,7 @@
             <a:fld id="{241EB5C9-1307-BA42-ABA2-0BC069CD8E7F}" type="datetimeFigureOut">
               <a:rPr lang="en-US" smtClean="0"/>
               <a:pPr/>
-              <a:t>7/10/2025</a:t>
+              <a:t>7/14/2025</a:t>
             </a:fld>
             <a:endParaRPr lang="en-US"/>
           </a:p>
@@ -1328,7 +1318,7 @@
             <a:fld id="{241EB5C9-1307-BA42-ABA2-0BC069CD8E7F}" type="datetimeFigureOut">
               <a:rPr lang="en-US" smtClean="0"/>
               <a:pPr/>
-              <a:t>7/10/2025</a:t>
+              <a:t>7/14/2025</a:t>
             </a:fld>
             <a:endParaRPr lang="en-US"/>
           </a:p>
@@ -1500,7 +1490,7 @@
             <a:fld id="{241EB5C9-1307-BA42-ABA2-0BC069CD8E7F}" type="datetimeFigureOut">
               <a:rPr lang="en-US" smtClean="0"/>
               <a:pPr/>
-              <a:t>7/10/2025</a:t>
+              <a:t>7/14/2025</a:t>
             </a:fld>
             <a:endParaRPr lang="en-US"/>
           </a:p>
@@ -1712,7 +1702,7 @@
             <a:fld id="{241EB5C9-1307-BA42-ABA2-0BC069CD8E7F}" type="datetimeFigureOut">
               <a:rPr lang="en-US" smtClean="0"/>
               <a:pPr/>
-              <a:t>7/10/2025</a:t>
+              <a:t>7/14/2025</a:t>
             </a:fld>
             <a:endParaRPr lang="en-US"/>
           </a:p>
@@ -2528,7 +2518,7 @@
             <a:fld id="{241EB5C9-1307-BA42-ABA2-0BC069CD8E7F}" type="datetimeFigureOut">
               <a:rPr lang="en-US" smtClean="0"/>
               <a:pPr/>
-              <a:t>7/10/2025</a:t>
+              <a:t>7/14/2025</a:t>
             </a:fld>
             <a:endParaRPr lang="en-US"/>
           </a:p>
@@ -2766,7 +2756,7 @@
             <a:fld id="{241EB5C9-1307-BA42-ABA2-0BC069CD8E7F}" type="datetimeFigureOut">
               <a:rPr lang="en-US" smtClean="0"/>
               <a:pPr/>
-              <a:t>7/10/2025</a:t>
+              <a:t>7/14/2025</a:t>
             </a:fld>
             <a:endParaRPr lang="en-US"/>
           </a:p>
@@ -3091,7 +3081,7 @@
             <a:fld id="{241EB5C9-1307-BA42-ABA2-0BC069CD8E7F}" type="datetimeFigureOut">
               <a:rPr lang="en-US" smtClean="0"/>
               <a:pPr/>
-              <a:t>7/10/2025</a:t>
+              <a:t>7/14/2025</a:t>
             </a:fld>
             <a:endParaRPr lang="en-US"/>
           </a:p>
@@ -3183,7 +3173,7 @@
             <a:fld id="{241EB5C9-1307-BA42-ABA2-0BC069CD8E7F}" type="datetimeFigureOut">
               <a:rPr lang="en-US" smtClean="0"/>
               <a:pPr/>
-              <a:t>7/10/2025</a:t>
+              <a:t>7/14/2025</a:t>
             </a:fld>
             <a:endParaRPr lang="en-US"/>
           </a:p>
@@ -3702,7 +3692,7 @@
             <a:fld id="{241EB5C9-1307-BA42-ABA2-0BC069CD8E7F}" type="datetimeFigureOut">
               <a:rPr lang="en-US" smtClean="0"/>
               <a:pPr/>
-              <a:t>7/10/2025</a:t>
+              <a:t>7/14/2025</a:t>
             </a:fld>
             <a:endParaRPr lang="en-US"/>
           </a:p>
@@ -4215,7 +4205,7 @@
             <a:fld id="{241EB5C9-1307-BA42-ABA2-0BC069CD8E7F}" type="datetimeFigureOut">
               <a:rPr lang="en-US" smtClean="0"/>
               <a:pPr/>
-              <a:t>7/10/2025</a:t>
+              <a:t>7/14/2025</a:t>
             </a:fld>
             <a:endParaRPr lang="en-US"/>
           </a:p>
@@ -4462,7 +4452,7 @@
             <a:fld id="{241EB5C9-1307-BA42-ABA2-0BC069CD8E7F}" type="datetimeFigureOut">
               <a:rPr lang="en-US" smtClean="0"/>
               <a:pPr/>
-              <a:t>7/10/2025</a:t>
+              <a:t>7/14/2025</a:t>
             </a:fld>
             <a:endParaRPr lang="en-US"/>
           </a:p>
@@ -5087,9 +5077,10 @@
               <a:buNone/>
             </a:pPr>
             <a:r>
-              <a:rPr/>
-              <a:t>Slide 1: Project Title</a:t>
-            </a:r>
+              <a:rPr lang="en-US" dirty="0" err="1" smtClean="0"/>
+              <a:t>ProffLearn</a:t>
+            </a:r>
+            <a:endParaRPr/>
           </a:p>
         </p:txBody>
       </p:sp>
@@ -5140,7 +5131,7 @@
             </a:pPr>
             <a:r>
               <a:rPr/>
-              <a:t>Built with Web2 logic, designed for Web3</a:t>
+              <a:t>The foundation is strong. Here’s what we’re building next:</a:t>
             </a:r>
           </a:p>
         </p:txBody>
@@ -5164,12 +5155,8 @@
           <a:p>
             <a:pPr lvl="1"/>
             <a:r>
-              <a:rPr b="1"/>
-              <a:t>Frontend</a:t>
-            </a:r>
-            <a:r>
               <a:rPr/>
-              <a:t>: Next.js (App Router), TailwindCSS</a:t>
+              <a:t>Smart contracts for certificates &amp; payments</a:t>
             </a:r>
             <a:r>
               <a:t/>
@@ -5180,12 +5167,8 @@
           <a:p>
             <a:pPr lvl="1"/>
             <a:r>
-              <a:rPr b="1"/>
-              <a:t>Backend</a:t>
-            </a:r>
-            <a:r>
               <a:rPr/>
-              <a:t>: MongoDB, REST API</a:t>
+              <a:t>AI-powered study assistant</a:t>
             </a:r>
             <a:r>
               <a:t/>
@@ -5196,12 +5179,8 @@
           <a:p>
             <a:pPr lvl="1"/>
             <a:r>
-              <a:rPr b="1"/>
-              <a:t>Web3 Ready</a:t>
-            </a:r>
-            <a:r>
               <a:rPr/>
-              <a:t>: Wallet login, NFT certificates (Aiken smart contract planned)</a:t>
+              <a:t>Token economy for educators &amp; students</a:t>
             </a:r>
             <a:r>
               <a:t/>
@@ -5212,12 +5191,8 @@
           <a:p>
             <a:pPr lvl="1"/>
             <a:r>
-              <a:rPr b="1"/>
-              <a:t>Future Integrations</a:t>
-            </a:r>
-            <a:r>
               <a:rPr/>
-              <a:t>: IPFS, Mesh.js, Token payments</a:t>
+              <a:t>Mobile app launch</a:t>
             </a:r>
             <a:r>
               <a:t/>
@@ -5228,721 +5203,17 @@
           <a:p>
             <a:pPr lvl="1"/>
             <a:r>
-              <a:rPr b="1"/>
-              <a:t>Mobile-first</a:t>
-            </a:r>
-            <a:r>
               <a:rPr/>
-              <a:t>: Fully responsive layout</a:t>
-            </a:r>
-          </a:p>
-        </p:txBody>
-      </p:sp>
-    </p:spTree>
-  </p:cSld>
-  <p:clrMapOvr>
-    <a:masterClrMapping/>
-  </p:clrMapOvr>
-</p:sld>
-</file>
-
-<file path=ppt/slides/slide11.xml><?xml version="1.0" encoding="utf-8"?>
-<p:sld xmlns:a="http://schemas.openxmlformats.org/drawingml/2006/main" xmlns:r="http://schemas.openxmlformats.org/officeDocument/2006/relationships" xmlns:p="http://schemas.openxmlformats.org/presentationml/2006/main">
-  <p:cSld>
-    <p:spTree>
-      <p:nvGrpSpPr>
-        <p:cNvPr id="1" name=""/>
-        <p:cNvGrpSpPr/>
-        <p:nvPr/>
-      </p:nvGrpSpPr>
-      <p:grpSpPr>
-        <a:xfrm>
-          <a:off x="0" y="0"/>
-          <a:ext cx="0" cy="0"/>
-          <a:chOff x="0" y="0"/>
-          <a:chExt cx="0" cy="0"/>
-        </a:xfrm>
-      </p:grpSpPr>
-      <p:sp>
-        <p:nvSpPr>
-          <p:cNvPr id="2" name="Title 1"/>
-          <p:cNvSpPr>
-            <a:spLocks noGrp="1"/>
-          </p:cNvSpPr>
-          <p:nvPr>
-            <p:ph type="title"/>
-          </p:nvPr>
-        </p:nvSpPr>
-        <p:spPr/>
-        <p:txBody>
-          <a:bodyPr/>
-          <a:lstStyle/>
+              <a:t>More student-focused learning tools</a:t>
+            </a:r>
+          </a:p>
           <a:p>
             <a:pPr marL="0" lvl="0" indent="0">
               <a:buNone/>
             </a:pPr>
             <a:r>
               <a:rPr/>
-              <a:t>Slide 6: Our One-Extra Feature</a:t>
-            </a:r>
-          </a:p>
-        </p:txBody>
-      </p:sp>
-    </p:spTree>
-  </p:cSld>
-  <p:clrMapOvr>
-    <a:masterClrMapping/>
-  </p:clrMapOvr>
-</p:sld>
-</file>
-
-<file path=ppt/slides/slide12.xml><?xml version="1.0" encoding="utf-8"?>
-<p:sld xmlns:a="http://schemas.openxmlformats.org/drawingml/2006/main" xmlns:r="http://schemas.openxmlformats.org/officeDocument/2006/relationships" xmlns:p="http://schemas.openxmlformats.org/presentationml/2006/main">
-  <p:cSld>
-    <p:spTree>
-      <p:nvGrpSpPr>
-        <p:cNvPr id="1" name=""/>
-        <p:cNvGrpSpPr/>
-        <p:nvPr/>
-      </p:nvGrpSpPr>
-      <p:grpSpPr>
-        <a:xfrm>
-          <a:off x="0" y="0"/>
-          <a:ext cx="0" cy="0"/>
-          <a:chOff x="0" y="0"/>
-          <a:chExt cx="0" cy="0"/>
-        </a:xfrm>
-      </p:grpSpPr>
-      <p:sp>
-        <p:nvSpPr>
-          <p:cNvPr id="2" name="Title 1"/>
-          <p:cNvSpPr>
-            <a:spLocks noGrp="1"/>
-          </p:cNvSpPr>
-          <p:nvPr>
-            <p:ph type="title"/>
-          </p:nvPr>
-        </p:nvSpPr>
-        <p:spPr/>
-        <p:txBody>
-          <a:bodyPr/>
-          <a:lstStyle/>
-          <a:p>
-            <a:pPr marL="0" lvl="0" indent="0">
-              <a:buNone/>
-            </a:pPr>
-            <a:r>
-              <a:rPr/>
-              <a:t>Smart Summary (in progress)</a:t>
-            </a:r>
-          </a:p>
-        </p:txBody>
-      </p:sp>
-      <p:sp>
-        <p:nvSpPr>
-          <p:cNvPr id="3" name="Content Placeholder 2"/>
-          <p:cNvSpPr>
-            <a:spLocks noGrp="1"/>
-          </p:cNvSpPr>
-          <p:nvPr>
-            <p:ph sz="quarter" idx="1"/>
-          </p:nvPr>
-        </p:nvSpPr>
-        <p:spPr/>
-        <p:txBody>
-          <a:bodyPr/>
-          <a:lstStyle/>
-          <a:p>
-            <a:pPr marL="0" lvl="0" indent="0">
-              <a:buNone/>
-            </a:pPr>
-            <a:r>
-              <a:rPr/>
-              <a:t>Helping students revise faster using AI</a:t>
-            </a:r>
-          </a:p>
-          <a:p>
-            <a:pPr lvl="1"/>
-            <a:r>
-              <a:rPr/>
-              <a:t>Paste long text → Get short summaries</a:t>
-            </a:r>
-            <a:r>
-              <a:t/>
-            </a:r>
-            <a:br/>
-            <a:endParaRPr/>
-          </a:p>
-          <a:p>
-            <a:pPr lvl="1"/>
-            <a:r>
-              <a:rPr/>
-              <a:t>Simplifies engineering concepts</a:t>
-            </a:r>
-            <a:r>
-              <a:t/>
-            </a:r>
-            <a:br/>
-            <a:endParaRPr/>
-          </a:p>
-          <a:p>
-            <a:pPr lvl="1"/>
-            <a:r>
-              <a:rPr/>
-              <a:t>Saves hours of last-minute reading</a:t>
-            </a:r>
-            <a:r>
-              <a:t/>
-            </a:r>
-            <a:br/>
-            <a:endParaRPr/>
-          </a:p>
-          <a:p>
-            <a:pPr lvl="1"/>
-            <a:r>
-              <a:rPr/>
-              <a:t>Powered by OpenAI (planned API integration)</a:t>
-            </a:r>
-          </a:p>
-        </p:txBody>
-      </p:sp>
-    </p:spTree>
-  </p:cSld>
-  <p:clrMapOvr>
-    <a:masterClrMapping/>
-  </p:clrMapOvr>
-</p:sld>
-</file>
-
-<file path=ppt/slides/slide13.xml><?xml version="1.0" encoding="utf-8"?>
-<p:sld xmlns:a="http://schemas.openxmlformats.org/drawingml/2006/main" xmlns:r="http://schemas.openxmlformats.org/officeDocument/2006/relationships" xmlns:p="http://schemas.openxmlformats.org/presentationml/2006/main">
-  <p:cSld>
-    <p:spTree>
-      <p:nvGrpSpPr>
-        <p:cNvPr id="1" name=""/>
-        <p:cNvGrpSpPr/>
-        <p:nvPr/>
-      </p:nvGrpSpPr>
-      <p:grpSpPr>
-        <a:xfrm>
-          <a:off x="0" y="0"/>
-          <a:ext cx="0" cy="0"/>
-          <a:chOff x="0" y="0"/>
-          <a:chExt cx="0" cy="0"/>
-        </a:xfrm>
-      </p:grpSpPr>
-      <p:sp>
-        <p:nvSpPr>
-          <p:cNvPr id="2" name="Title 1"/>
-          <p:cNvSpPr>
-            <a:spLocks noGrp="1"/>
-          </p:cNvSpPr>
-          <p:nvPr>
-            <p:ph type="title"/>
-          </p:nvPr>
-        </p:nvSpPr>
-        <p:spPr/>
-        <p:txBody>
-          <a:bodyPr/>
-          <a:lstStyle/>
-          <a:p>
-            <a:pPr marL="0" lvl="0" indent="0">
-              <a:buNone/>
-            </a:pPr>
-            <a:r>
-              <a:rPr/>
-              <a:t>Slide 7: Credential NFTs</a:t>
-            </a:r>
-          </a:p>
-        </p:txBody>
-      </p:sp>
-    </p:spTree>
-  </p:cSld>
-  <p:clrMapOvr>
-    <a:masterClrMapping/>
-  </p:clrMapOvr>
-</p:sld>
-</file>
-
-<file path=ppt/slides/slide14.xml><?xml version="1.0" encoding="utf-8"?>
-<p:sld xmlns:a="http://schemas.openxmlformats.org/drawingml/2006/main" xmlns:r="http://schemas.openxmlformats.org/officeDocument/2006/relationships" xmlns:p="http://schemas.openxmlformats.org/presentationml/2006/main">
-  <p:cSld>
-    <p:spTree>
-      <p:nvGrpSpPr>
-        <p:cNvPr id="1" name=""/>
-        <p:cNvGrpSpPr/>
-        <p:nvPr/>
-      </p:nvGrpSpPr>
-      <p:grpSpPr>
-        <a:xfrm>
-          <a:off x="0" y="0"/>
-          <a:ext cx="0" cy="0"/>
-          <a:chOff x="0" y="0"/>
-          <a:chExt cx="0" cy="0"/>
-        </a:xfrm>
-      </p:grpSpPr>
-      <p:sp>
-        <p:nvSpPr>
-          <p:cNvPr id="2" name="Title 1"/>
-          <p:cNvSpPr>
-            <a:spLocks noGrp="1"/>
-          </p:cNvSpPr>
-          <p:nvPr>
-            <p:ph type="title"/>
-          </p:nvPr>
-        </p:nvSpPr>
-        <p:spPr/>
-        <p:txBody>
-          <a:bodyPr/>
-          <a:lstStyle/>
-          <a:p>
-            <a:pPr marL="0" lvl="0" indent="0">
-              <a:buNone/>
-            </a:pPr>
-            <a:r>
-              <a:rPr/>
-              <a:t>Real proof, forever.</a:t>
-            </a:r>
-          </a:p>
-        </p:txBody>
-      </p:sp>
-      <p:sp>
-        <p:nvSpPr>
-          <p:cNvPr id="3" name="Content Placeholder 2"/>
-          <p:cNvSpPr>
-            <a:spLocks noGrp="1"/>
-          </p:cNvSpPr>
-          <p:nvPr>
-            <p:ph sz="quarter" idx="1"/>
-          </p:nvPr>
-        </p:nvSpPr>
-        <p:spPr/>
-        <p:txBody>
-          <a:bodyPr/>
-          <a:lstStyle/>
-          <a:p>
-            <a:pPr lvl="1"/>
-            <a:r>
-              <a:rPr/>
-              <a:t>📜 </a:t>
-            </a:r>
-            <a:r>
-              <a:rPr lang="en-US" dirty="0" smtClean="0"/>
-              <a:t>   </a:t>
-            </a:r>
-            <a:r>
-              <a:rPr smtClean="0"/>
-              <a:t>NFT </a:t>
-            </a:r>
-            <a:r>
-              <a:rPr/>
-              <a:t>certificates issued after course completion</a:t>
-            </a:r>
-            <a:r>
-              <a:t/>
-            </a:r>
-            <a:br/>
-            <a:endParaRPr/>
-          </a:p>
-          <a:p>
-            <a:pPr lvl="1"/>
-            <a:r>
-              <a:rPr/>
-              <a:t>Includes course name, score, date, and wallet ID</a:t>
-            </a:r>
-            <a:r>
-              <a:t/>
-            </a:r>
-            <a:br/>
-            <a:endParaRPr/>
-          </a:p>
-          <a:p>
-            <a:pPr lvl="1"/>
-            <a:r>
-              <a:rPr/>
-              <a:t>Stored on Cardano, globally verifiable</a:t>
-            </a:r>
-            <a:r>
-              <a:t/>
-            </a:r>
-            <a:br/>
-            <a:endParaRPr/>
-          </a:p>
-          <a:p>
-            <a:pPr lvl="1"/>
-            <a:r>
-              <a:rPr/>
-              <a:t>No middleman. No forgery. You own it.</a:t>
-            </a:r>
-          </a:p>
-        </p:txBody>
-      </p:sp>
-    </p:spTree>
-  </p:cSld>
-  <p:clrMapOvr>
-    <a:masterClrMapping/>
-  </p:clrMapOvr>
-</p:sld>
-</file>
-
-<file path=ppt/slides/slide15.xml><?xml version="1.0" encoding="utf-8"?>
-<p:sld xmlns:a="http://schemas.openxmlformats.org/drawingml/2006/main" xmlns:r="http://schemas.openxmlformats.org/officeDocument/2006/relationships" xmlns:p="http://schemas.openxmlformats.org/presentationml/2006/main">
-  <p:cSld>
-    <p:spTree>
-      <p:nvGrpSpPr>
-        <p:cNvPr id="1" name=""/>
-        <p:cNvGrpSpPr/>
-        <p:nvPr/>
-      </p:nvGrpSpPr>
-      <p:grpSpPr>
-        <a:xfrm>
-          <a:off x="0" y="0"/>
-          <a:ext cx="0" cy="0"/>
-          <a:chOff x="0" y="0"/>
-          <a:chExt cx="0" cy="0"/>
-        </a:xfrm>
-      </p:grpSpPr>
-      <p:sp>
-        <p:nvSpPr>
-          <p:cNvPr id="2" name="Title 1"/>
-          <p:cNvSpPr>
-            <a:spLocks noGrp="1"/>
-          </p:cNvSpPr>
-          <p:nvPr>
-            <p:ph type="title"/>
-          </p:nvPr>
-        </p:nvSpPr>
-        <p:spPr/>
-        <p:txBody>
-          <a:bodyPr/>
-          <a:lstStyle/>
-          <a:p>
-            <a:pPr marL="0" lvl="0" indent="0">
-              <a:buNone/>
-            </a:pPr>
-            <a:r>
-              <a:rPr/>
-              <a:t>Slide 8: Real Student Impact</a:t>
-            </a:r>
-          </a:p>
-        </p:txBody>
-      </p:sp>
-    </p:spTree>
-  </p:cSld>
-  <p:clrMapOvr>
-    <a:masterClrMapping/>
-  </p:clrMapOvr>
-</p:sld>
-</file>
-
-<file path=ppt/slides/slide16.xml><?xml version="1.0" encoding="utf-8"?>
-<p:sld xmlns:a="http://schemas.openxmlformats.org/drawingml/2006/main" xmlns:r="http://schemas.openxmlformats.org/officeDocument/2006/relationships" xmlns:p="http://schemas.openxmlformats.org/presentationml/2006/main">
-  <p:cSld>
-    <p:spTree>
-      <p:nvGrpSpPr>
-        <p:cNvPr id="1" name=""/>
-        <p:cNvGrpSpPr/>
-        <p:nvPr/>
-      </p:nvGrpSpPr>
-      <p:grpSpPr>
-        <a:xfrm>
-          <a:off x="0" y="0"/>
-          <a:ext cx="0" cy="0"/>
-          <a:chOff x="0" y="0"/>
-          <a:chExt cx="0" cy="0"/>
-        </a:xfrm>
-      </p:grpSpPr>
-      <p:sp>
-        <p:nvSpPr>
-          <p:cNvPr id="2" name="Title 1"/>
-          <p:cNvSpPr>
-            <a:spLocks noGrp="1"/>
-          </p:cNvSpPr>
-          <p:nvPr>
-            <p:ph type="title"/>
-          </p:nvPr>
-        </p:nvSpPr>
-        <p:spPr/>
-        <p:txBody>
-          <a:bodyPr>
-            <a:normAutofit/>
-          </a:bodyPr>
-          <a:lstStyle/>
-          <a:p>
-            <a:pPr marL="0" lvl="0" indent="0">
-              <a:buNone/>
-            </a:pPr>
-            <a:r>
-              <a:rPr/>
-              <a:t>This isn’t just a project — it’s our pain.</a:t>
-            </a:r>
-          </a:p>
-        </p:txBody>
-      </p:sp>
-      <p:sp>
-        <p:nvSpPr>
-          <p:cNvPr id="3" name="Content Placeholder 2"/>
-          <p:cNvSpPr>
-            <a:spLocks noGrp="1"/>
-          </p:cNvSpPr>
-          <p:nvPr>
-            <p:ph sz="quarter" idx="1"/>
-          </p:nvPr>
-        </p:nvSpPr>
-        <p:spPr/>
-        <p:txBody>
-          <a:bodyPr/>
-          <a:lstStyle/>
-          <a:p>
-            <a:pPr lvl="1"/>
-            <a:r>
-              <a:rPr/>
-              <a:t>We’re building tools we wish existed</a:t>
-            </a:r>
-            <a:r>
-              <a:t/>
-            </a:r>
-            <a:br/>
-            <a:endParaRPr/>
-          </a:p>
-          <a:p>
-            <a:pPr lvl="1"/>
-            <a:r>
-              <a:rPr/>
-              <a:t>Our goal: make exams less scary and learning less stressful</a:t>
-            </a:r>
-            <a:r>
-              <a:t/>
-            </a:r>
-            <a:br/>
-            <a:endParaRPr/>
-          </a:p>
-          <a:p>
-            <a:pPr lvl="1"/>
-            <a:r>
-              <a:rPr/>
-              <a:t>Helping students like us pass smarter, not harder</a:t>
-            </a:r>
-            <a:r>
-              <a:t/>
-            </a:r>
-            <a:br/>
-            <a:endParaRPr/>
-          </a:p>
-          <a:p>
-            <a:pPr lvl="1"/>
-            <a:r>
-              <a:rPr/>
-              <a:t>Education should feel like learning, not punishment</a:t>
-            </a:r>
-          </a:p>
-        </p:txBody>
-      </p:sp>
-    </p:spTree>
-  </p:cSld>
-  <p:clrMapOvr>
-    <a:masterClrMapping/>
-  </p:clrMapOvr>
-</p:sld>
-</file>
-
-<file path=ppt/slides/slide17.xml><?xml version="1.0" encoding="utf-8"?>
-<p:sld xmlns:a="http://schemas.openxmlformats.org/drawingml/2006/main" xmlns:r="http://schemas.openxmlformats.org/officeDocument/2006/relationships" xmlns:p="http://schemas.openxmlformats.org/presentationml/2006/main">
-  <p:cSld>
-    <p:spTree>
-      <p:nvGrpSpPr>
-        <p:cNvPr id="1" name=""/>
-        <p:cNvGrpSpPr/>
-        <p:nvPr/>
-      </p:nvGrpSpPr>
-      <p:grpSpPr>
-        <a:xfrm>
-          <a:off x="0" y="0"/>
-          <a:ext cx="0" cy="0"/>
-          <a:chOff x="0" y="0"/>
-          <a:chExt cx="0" cy="0"/>
-        </a:xfrm>
-      </p:grpSpPr>
-      <p:sp>
-        <p:nvSpPr>
-          <p:cNvPr id="2" name="Title 1"/>
-          <p:cNvSpPr>
-            <a:spLocks noGrp="1"/>
-          </p:cNvSpPr>
-          <p:nvPr>
-            <p:ph type="title"/>
-          </p:nvPr>
-        </p:nvSpPr>
-        <p:spPr/>
-        <p:txBody>
-          <a:bodyPr/>
-          <a:lstStyle/>
-          <a:p>
-            <a:pPr marL="0" lvl="0" indent="0">
-              <a:buNone/>
-            </a:pPr>
-            <a:r>
-              <a:rPr/>
-              <a:t>Slide 9: Our Team</a:t>
-            </a:r>
-          </a:p>
-        </p:txBody>
-      </p:sp>
-    </p:spTree>
-  </p:cSld>
-  <p:clrMapOvr>
-    <a:masterClrMapping/>
-  </p:clrMapOvr>
-</p:sld>
-</file>
-
-<file path=ppt/slides/slide18.xml><?xml version="1.0" encoding="utf-8"?>
-<p:sld xmlns:a="http://schemas.openxmlformats.org/drawingml/2006/main" xmlns:r="http://schemas.openxmlformats.org/officeDocument/2006/relationships" xmlns:p="http://schemas.openxmlformats.org/presentationml/2006/main">
-  <p:cSld>
-    <p:spTree>
-      <p:nvGrpSpPr>
-        <p:cNvPr id="1" name=""/>
-        <p:cNvGrpSpPr/>
-        <p:nvPr/>
-      </p:nvGrpSpPr>
-      <p:grpSpPr>
-        <a:xfrm>
-          <a:off x="0" y="0"/>
-          <a:ext cx="0" cy="0"/>
-          <a:chOff x="0" y="0"/>
-          <a:chExt cx="0" cy="0"/>
-        </a:xfrm>
-      </p:grpSpPr>
-      <p:sp>
-        <p:nvSpPr>
-          <p:cNvPr id="2" name="Title 1"/>
-          <p:cNvSpPr>
-            <a:spLocks noGrp="1"/>
-          </p:cNvSpPr>
-          <p:nvPr>
-            <p:ph type="title"/>
-          </p:nvPr>
-        </p:nvSpPr>
-        <p:spPr/>
-        <p:txBody>
-          <a:bodyPr/>
-          <a:lstStyle/>
-          <a:p>
-            <a:pPr marL="0" lvl="0" indent="0">
-              <a:buNone/>
-            </a:pPr>
-            <a:r>
-              <a:rPr/>
-              <a:t>Young engineers on a mission</a:t>
-            </a:r>
-          </a:p>
-        </p:txBody>
-      </p:sp>
-      <p:sp>
-        <p:nvSpPr>
-          <p:cNvPr id="3" name="Content Placeholder 2"/>
-          <p:cNvSpPr>
-            <a:spLocks noGrp="1"/>
-          </p:cNvSpPr>
-          <p:nvPr>
-            <p:ph sz="quarter" idx="1"/>
-          </p:nvPr>
-        </p:nvSpPr>
-        <p:spPr/>
-        <p:txBody>
-          <a:bodyPr/>
-          <a:lstStyle/>
-          <a:p>
-            <a:pPr lvl="1"/>
-            <a:r>
-              <a:rPr/>
-              <a:t>Edward Igberaese – Fullstack / Blockchain Developer</a:t>
-            </a:r>
-            <a:r>
-              <a:t/>
-            </a:r>
-            <a:br/>
-            <a:endParaRPr/>
-          </a:p>
-          <a:p>
-            <a:pPr lvl="1"/>
-            <a:r>
-              <a:rPr/>
-              <a:t>[Add your teammates here]</a:t>
-            </a:r>
-            <a:r>
-              <a:t/>
-            </a:r>
-            <a:br/>
-            <a:endParaRPr/>
-          </a:p>
-          <a:p>
-            <a:pPr lvl="1"/>
-            <a:r>
-              <a:rPr/>
-              <a:t>Backend, Frontend, Smart Contracts, Product</a:t>
-            </a:r>
-            <a:r>
-              <a:t/>
-            </a:r>
-            <a:br/>
-            <a:endParaRPr/>
-          </a:p>
-          <a:p>
-            <a:pPr lvl="1"/>
-            <a:r>
-              <a:rPr/>
-              <a:t>Mentors: Hackathon &amp; Cardano community</a:t>
-            </a:r>
-          </a:p>
-        </p:txBody>
-      </p:sp>
-    </p:spTree>
-  </p:cSld>
-  <p:clrMapOvr>
-    <a:masterClrMapping/>
-  </p:clrMapOvr>
-</p:sld>
-</file>
-
-<file path=ppt/slides/slide19.xml><?xml version="1.0" encoding="utf-8"?>
-<p:sld xmlns:a="http://schemas.openxmlformats.org/drawingml/2006/main" xmlns:r="http://schemas.openxmlformats.org/officeDocument/2006/relationships" xmlns:p="http://schemas.openxmlformats.org/presentationml/2006/main">
-  <p:cSld>
-    <p:spTree>
-      <p:nvGrpSpPr>
-        <p:cNvPr id="1" name=""/>
-        <p:cNvGrpSpPr/>
-        <p:nvPr/>
-      </p:nvGrpSpPr>
-      <p:grpSpPr>
-        <a:xfrm>
-          <a:off x="0" y="0"/>
-          <a:ext cx="0" cy="0"/>
-          <a:chOff x="0" y="0"/>
-          <a:chExt cx="0" cy="0"/>
-        </a:xfrm>
-      </p:grpSpPr>
-      <p:sp>
-        <p:nvSpPr>
-          <p:cNvPr id="2" name="Title 1"/>
-          <p:cNvSpPr>
-            <a:spLocks noGrp="1"/>
-          </p:cNvSpPr>
-          <p:nvPr>
-            <p:ph type="title"/>
-          </p:nvPr>
-        </p:nvSpPr>
-        <p:spPr/>
-        <p:txBody>
-          <a:bodyPr/>
-          <a:lstStyle/>
-          <a:p>
-            <a:pPr marL="0" lvl="0" indent="0">
-              <a:buNone/>
-            </a:pPr>
-            <a:r>
-              <a:rPr/>
-              <a:t>Slide 10: What’s Next</a:t>
+              <a:t>Let’s make learning smoother — for every student, everywhere.</a:t>
             </a:r>
           </a:p>
         </p:txBody>
@@ -5994,7 +5265,15 @@
             </a:pPr>
             <a:r>
               <a:rPr/>
-              <a:t>ProofLearn – Built by Students, for Students</a:t>
+              <a:t>ProofLearn – </a:t>
+            </a:r>
+            <a:r>
+              <a:rPr smtClean="0"/>
+              <a:t>Built </a:t>
+            </a:r>
+            <a:r>
+              <a:rPr/>
+              <a:t>by Students, for Students</a:t>
             </a:r>
           </a:p>
         </p:txBody>
@@ -6020,140 +5299,6 @@
             <a:r>
               <a:rPr/>
               <a:t>Making learning faster, simpler, and stress-free — using Web3.</a:t>
-            </a:r>
-          </a:p>
-        </p:txBody>
-      </p:sp>
-    </p:spTree>
-  </p:cSld>
-  <p:clrMapOvr>
-    <a:masterClrMapping/>
-  </p:clrMapOvr>
-</p:sld>
-</file>
-
-<file path=ppt/slides/slide20.xml><?xml version="1.0" encoding="utf-8"?>
-<p:sld xmlns:a="http://schemas.openxmlformats.org/drawingml/2006/main" xmlns:r="http://schemas.openxmlformats.org/officeDocument/2006/relationships" xmlns:p="http://schemas.openxmlformats.org/presentationml/2006/main">
-  <p:cSld>
-    <p:spTree>
-      <p:nvGrpSpPr>
-        <p:cNvPr id="1" name=""/>
-        <p:cNvGrpSpPr/>
-        <p:nvPr/>
-      </p:nvGrpSpPr>
-      <p:grpSpPr>
-        <a:xfrm>
-          <a:off x="0" y="0"/>
-          <a:ext cx="0" cy="0"/>
-          <a:chOff x="0" y="0"/>
-          <a:chExt cx="0" cy="0"/>
-        </a:xfrm>
-      </p:grpSpPr>
-      <p:sp>
-        <p:nvSpPr>
-          <p:cNvPr id="2" name="Title 1"/>
-          <p:cNvSpPr>
-            <a:spLocks noGrp="1"/>
-          </p:cNvSpPr>
-          <p:nvPr>
-            <p:ph type="title"/>
-          </p:nvPr>
-        </p:nvSpPr>
-        <p:spPr/>
-        <p:txBody>
-          <a:bodyPr>
-            <a:normAutofit/>
-          </a:bodyPr>
-          <a:lstStyle/>
-          <a:p>
-            <a:pPr marL="0" lvl="0" indent="0">
-              <a:buNone/>
-            </a:pPr>
-            <a:r>
-              <a:rPr/>
-              <a:t>The foundation is strong. Here’s what we’re building next:</a:t>
-            </a:r>
-          </a:p>
-        </p:txBody>
-      </p:sp>
-      <p:sp>
-        <p:nvSpPr>
-          <p:cNvPr id="3" name="Content Placeholder 2"/>
-          <p:cNvSpPr>
-            <a:spLocks noGrp="1"/>
-          </p:cNvSpPr>
-          <p:nvPr>
-            <p:ph sz="quarter" idx="1"/>
-          </p:nvPr>
-        </p:nvSpPr>
-        <p:spPr/>
-        <p:txBody>
-          <a:bodyPr>
-            <a:normAutofit/>
-          </a:bodyPr>
-          <a:lstStyle/>
-          <a:p>
-            <a:pPr lvl="1"/>
-            <a:r>
-              <a:rPr/>
-              <a:t>Smart contracts for certificates &amp; payments</a:t>
-            </a:r>
-            <a:r>
-              <a:t/>
-            </a:r>
-            <a:br/>
-            <a:endParaRPr/>
-          </a:p>
-          <a:p>
-            <a:pPr lvl="1"/>
-            <a:r>
-              <a:rPr/>
-              <a:t>AI-powered study assistant</a:t>
-            </a:r>
-            <a:r>
-              <a:t/>
-            </a:r>
-            <a:br/>
-            <a:endParaRPr/>
-          </a:p>
-          <a:p>
-            <a:pPr lvl="1"/>
-            <a:r>
-              <a:rPr/>
-              <a:t>Token economy for educators &amp; students</a:t>
-            </a:r>
-            <a:r>
-              <a:t/>
-            </a:r>
-            <a:br/>
-            <a:endParaRPr/>
-          </a:p>
-          <a:p>
-            <a:pPr lvl="1"/>
-            <a:r>
-              <a:rPr/>
-              <a:t>Mobile app launch</a:t>
-            </a:r>
-            <a:r>
-              <a:t/>
-            </a:r>
-            <a:br/>
-            <a:endParaRPr/>
-          </a:p>
-          <a:p>
-            <a:pPr lvl="1"/>
-            <a:r>
-              <a:rPr/>
-              <a:t>More student-focused learning tools</a:t>
-            </a:r>
-          </a:p>
-          <a:p>
-            <a:pPr marL="0" lvl="0" indent="0">
-              <a:buNone/>
-            </a:pPr>
-            <a:r>
-              <a:rPr/>
-              <a:t>Let’s make learning smoother — for every student, everywhere.</a:t>
             </a:r>
           </a:p>
         </p:txBody>
@@ -6195,7 +5340,9 @@
         </p:nvSpPr>
         <p:spPr/>
         <p:txBody>
-          <a:bodyPr/>
+          <a:bodyPr>
+            <a:normAutofit/>
+          </a:bodyPr>
           <a:lstStyle/>
           <a:p>
             <a:pPr marL="0" lvl="0" indent="0">
@@ -6203,7 +5350,80 @@
             </a:pPr>
             <a:r>
               <a:rPr/>
-              <a:t>Slide 2: The Problem We Live With</a:t>
+              <a:t>School is harder than it needs to be.</a:t>
+            </a:r>
+          </a:p>
+        </p:txBody>
+      </p:sp>
+      <p:sp>
+        <p:nvSpPr>
+          <p:cNvPr id="3" name="Content Placeholder 2"/>
+          <p:cNvSpPr>
+            <a:spLocks noGrp="1"/>
+          </p:cNvSpPr>
+          <p:nvPr>
+            <p:ph sz="quarter" idx="1"/>
+          </p:nvPr>
+        </p:nvSpPr>
+        <p:spPr/>
+        <p:txBody>
+          <a:bodyPr>
+            <a:normAutofit/>
+          </a:bodyPr>
+          <a:lstStyle/>
+          <a:p>
+            <a:pPr lvl="1"/>
+            <a:r>
+              <a:rPr/>
+              <a:t>We’re overwhelmed with long readings before exams.</a:t>
+            </a:r>
+            <a:r>
+              <a:t/>
+            </a:r>
+            <a:br/>
+            <a:endParaRPr/>
+          </a:p>
+          <a:p>
+            <a:pPr lvl="1"/>
+            <a:r>
+              <a:rPr/>
+              <a:t>Cramming replaces true understanding.</a:t>
+            </a:r>
+            <a:r>
+              <a:t/>
+            </a:r>
+            <a:br/>
+            <a:endParaRPr/>
+          </a:p>
+          <a:p>
+            <a:pPr lvl="1"/>
+            <a:r>
+              <a:rPr/>
+              <a:t>We have few tools to simplify tough topics.</a:t>
+            </a:r>
+            <a:r>
+              <a:t/>
+            </a:r>
+            <a:br/>
+            <a:endParaRPr/>
+          </a:p>
+          <a:p>
+            <a:pPr lvl="1"/>
+            <a:r>
+              <a:rPr/>
+              <a:t>Certificates are often meaningless or unverifiable.</a:t>
+            </a:r>
+            <a:r>
+              <a:t/>
+            </a:r>
+            <a:br/>
+            <a:endParaRPr/>
+          </a:p>
+          <a:p>
+            <a:pPr lvl="1"/>
+            <a:r>
+              <a:rPr/>
+              <a:t>Educators aren’t rewarded fairly for quality content.</a:t>
             </a:r>
           </a:p>
         </p:txBody>
@@ -6255,7 +5475,7 @@
             </a:pPr>
             <a:r>
               <a:rPr/>
-              <a:t>School is harder than it needs to be.</a:t>
+              <a:t>A student-focused e-learning platform</a:t>
             </a:r>
           </a:p>
         </p:txBody>
@@ -6272,15 +5492,13 @@
         </p:nvSpPr>
         <p:spPr/>
         <p:txBody>
-          <a:bodyPr>
-            <a:normAutofit/>
-          </a:bodyPr>
+          <a:bodyPr/>
           <a:lstStyle/>
           <a:p>
             <a:pPr lvl="1"/>
             <a:r>
               <a:rPr/>
-              <a:t>We’re overwhelmed with long readings before exams.</a:t>
+              <a:t>Learn faster with simple, bite-sized courses</a:t>
             </a:r>
             <a:r>
               <a:t/>
@@ -6292,7 +5510,7 @@
             <a:pPr lvl="1"/>
             <a:r>
               <a:rPr/>
-              <a:t>Cramming replaces true understanding.</a:t>
+              <a:t>Track progress and earn certificates (NFTs)</a:t>
             </a:r>
             <a:r>
               <a:t/>
@@ -6304,7 +5522,7 @@
             <a:pPr lvl="1"/>
             <a:r>
               <a:rPr/>
-              <a:t>We have few tools to simplify tough topics.</a:t>
+              <a:t>Educators earn tokens for good content</a:t>
             </a:r>
             <a:r>
               <a:t/>
@@ -6316,7 +5534,7 @@
             <a:pPr lvl="1"/>
             <a:r>
               <a:rPr/>
-              <a:t>Certificates are often meaningless or unverifiable.</a:t>
+              <a:t>All credentials are verifiable on-chain</a:t>
             </a:r>
             <a:r>
               <a:t/>
@@ -6328,7 +5546,7 @@
             <a:pPr lvl="1"/>
             <a:r>
               <a:rPr/>
-              <a:t>Educators aren’t rewarded fairly for quality content.</a:t>
+              <a:t>Built with tools students actually need</a:t>
             </a:r>
           </a:p>
         </p:txBody>
@@ -6378,7 +5596,144 @@
             </a:pPr>
             <a:r>
               <a:rPr/>
-              <a:t>Slide 3: Our Solution – ProofLearn</a:t>
+              <a:t>What we’ve already built:</a:t>
+            </a:r>
+          </a:p>
+        </p:txBody>
+      </p:sp>
+      <p:sp>
+        <p:nvSpPr>
+          <p:cNvPr id="3" name="Content Placeholder 2"/>
+          <p:cNvSpPr>
+            <a:spLocks noGrp="1"/>
+          </p:cNvSpPr>
+          <p:nvPr>
+            <p:ph sz="quarter" idx="1"/>
+          </p:nvPr>
+        </p:nvSpPr>
+        <p:spPr/>
+        <p:txBody>
+          <a:bodyPr>
+            <a:normAutofit/>
+          </a:bodyPr>
+          <a:lstStyle/>
+          <a:p>
+            <a:pPr lvl="1"/>
+            <a:r>
+              <a:rPr/>
+              <a:t>📚 </a:t>
+            </a:r>
+            <a:r>
+              <a:rPr lang="en-US" dirty="0" smtClean="0"/>
+              <a:t>  </a:t>
+            </a:r>
+            <a:r>
+              <a:rPr smtClean="0"/>
+              <a:t>Course </a:t>
+            </a:r>
+            <a:r>
+              <a:rPr/>
+              <a:t>system (browse, enroll, track lessons)</a:t>
+            </a:r>
+            <a:r>
+              <a:t/>
+            </a:r>
+            <a:br/>
+            <a:endParaRPr/>
+          </a:p>
+          <a:p>
+            <a:pPr lvl="1"/>
+            <a:r>
+              <a:rPr/>
+              <a:t>🧠 </a:t>
+            </a:r>
+            <a:r>
+              <a:rPr lang="en-US" dirty="0" smtClean="0"/>
+              <a:t>   </a:t>
+            </a:r>
+            <a:r>
+              <a:rPr smtClean="0"/>
+              <a:t>Quiz </a:t>
+            </a:r>
+            <a:r>
+              <a:rPr/>
+              <a:t>engine (per-lesson testing)</a:t>
+            </a:r>
+            <a:r>
+              <a:t/>
+            </a:r>
+            <a:br/>
+            <a:endParaRPr/>
+          </a:p>
+          <a:p>
+            <a:pPr lvl="1"/>
+            <a:r>
+              <a:rPr/>
+              <a:t>📄 </a:t>
+            </a:r>
+            <a:r>
+              <a:rPr lang="en-US" dirty="0" smtClean="0"/>
+              <a:t>   </a:t>
+            </a:r>
+            <a:r>
+              <a:rPr smtClean="0"/>
+              <a:t>Certificate </a:t>
+            </a:r>
+            <a:r>
+              <a:rPr/>
+              <a:t>generator (NFT-ready)</a:t>
+            </a:r>
+            <a:r>
+              <a:t/>
+            </a:r>
+            <a:br/>
+            <a:endParaRPr/>
+          </a:p>
+          <a:p>
+            <a:pPr lvl="1"/>
+            <a:r>
+              <a:rPr smtClean="0"/>
+              <a:t>🎓</a:t>
+            </a:r>
+            <a:r>
+              <a:rPr lang="en-US" dirty="0" smtClean="0"/>
+              <a:t>   </a:t>
+            </a:r>
+            <a:r>
+              <a:rPr smtClean="0"/>
+              <a:t> </a:t>
+            </a:r>
+            <a:r>
+              <a:rPr/>
+              <a:t>Educator dashboard (upload/manage content</a:t>
+            </a:r>
+            <a:r>
+              <a:rPr smtClean="0"/>
+              <a:t>)</a:t>
+            </a:r>
+            <a:r>
+              <a:t/>
+            </a:r>
+            <a:br/>
+            <a:endParaRPr/>
+          </a:p>
+          <a:p>
+            <a:pPr lvl="1"/>
+            <a:r>
+              <a:rPr/>
+              <a:t>🔒 </a:t>
+            </a:r>
+            <a:r>
+              <a:rPr lang="en-US" dirty="0" smtClean="0"/>
+              <a:t>   </a:t>
+            </a:r>
+            <a:r>
+              <a:rPr smtClean="0"/>
+              <a:t>Login</a:t>
+            </a:r>
+            <a:r>
+              <a:rPr/>
+              <a:t>, dashboard, and profile system</a:t>
             </a:r>
           </a:p>
         </p:txBody>
@@ -6430,7 +5785,7 @@
             </a:pPr>
             <a:r>
               <a:rPr/>
-              <a:t>A student-focused e-learning platform</a:t>
+              <a:t>Built with Web2 logic, designed for Web3</a:t>
             </a:r>
           </a:p>
         </p:txBody>
@@ -6447,13 +5802,19 @@
         </p:nvSpPr>
         <p:spPr/>
         <p:txBody>
-          <a:bodyPr/>
+          <a:bodyPr>
+            <a:normAutofit/>
+          </a:bodyPr>
           <a:lstStyle/>
           <a:p>
             <a:pPr lvl="1"/>
             <a:r>
+              <a:rPr b="1"/>
+              <a:t>Frontend</a:t>
+            </a:r>
+            <a:r>
               <a:rPr/>
-              <a:t>Learn faster with simple, bite-sized courses</a:t>
+              <a:t>: Next.js (App Router), TailwindCSS</a:t>
             </a:r>
             <a:r>
               <a:t/>
@@ -6464,8 +5825,12 @@
           <a:p>
             <a:pPr lvl="1"/>
             <a:r>
+              <a:rPr b="1"/>
+              <a:t>Backend</a:t>
+            </a:r>
+            <a:r>
               <a:rPr/>
-              <a:t>Track progress and earn certificates (NFTs)</a:t>
+              <a:t>: MongoDB, REST API</a:t>
             </a:r>
             <a:r>
               <a:t/>
@@ -6476,8 +5841,12 @@
           <a:p>
             <a:pPr lvl="1"/>
             <a:r>
+              <a:rPr b="1"/>
+              <a:t>Web3 Ready</a:t>
+            </a:r>
+            <a:r>
               <a:rPr/>
-              <a:t>Educators earn tokens for good content</a:t>
+              <a:t>: Wallet login, NFT certificates (Aiken smart contract planned)</a:t>
             </a:r>
             <a:r>
               <a:t/>
@@ -6488,8 +5857,12 @@
           <a:p>
             <a:pPr lvl="1"/>
             <a:r>
+              <a:rPr b="1"/>
+              <a:t>Future Integrations</a:t>
+            </a:r>
+            <a:r>
               <a:rPr/>
-              <a:t>All credentials are verifiable on-chain</a:t>
+              <a:t>: IPFS, Mesh.js, Token payments</a:t>
             </a:r>
             <a:r>
               <a:t/>
@@ -6500,8 +5873,12 @@
           <a:p>
             <a:pPr lvl="1"/>
             <a:r>
+              <a:rPr b="1"/>
+              <a:t>Mobile-first</a:t>
+            </a:r>
+            <a:r>
               <a:rPr/>
-              <a:t>Built with tools students actually need</a:t>
+              <a:t>: Fully responsive layout</a:t>
             </a:r>
           </a:p>
         </p:txBody>
@@ -6551,7 +5928,78 @@
             </a:pPr>
             <a:r>
               <a:rPr/>
-              <a:t>Slide 4: Key Features</a:t>
+              <a:t>Real proof, forever.</a:t>
+            </a:r>
+          </a:p>
+        </p:txBody>
+      </p:sp>
+      <p:sp>
+        <p:nvSpPr>
+          <p:cNvPr id="3" name="Content Placeholder 2"/>
+          <p:cNvSpPr>
+            <a:spLocks noGrp="1"/>
+          </p:cNvSpPr>
+          <p:nvPr>
+            <p:ph sz="quarter" idx="1"/>
+          </p:nvPr>
+        </p:nvSpPr>
+        <p:spPr/>
+        <p:txBody>
+          <a:bodyPr/>
+          <a:lstStyle/>
+          <a:p>
+            <a:pPr lvl="1"/>
+            <a:r>
+              <a:rPr/>
+              <a:t>📜 </a:t>
+            </a:r>
+            <a:r>
+              <a:rPr lang="en-US" dirty="0" smtClean="0"/>
+              <a:t>   </a:t>
+            </a:r>
+            <a:r>
+              <a:rPr smtClean="0"/>
+              <a:t>NFT </a:t>
+            </a:r>
+            <a:r>
+              <a:rPr/>
+              <a:t>certificates issued after course completion</a:t>
+            </a:r>
+            <a:r>
+              <a:t/>
+            </a:r>
+            <a:br/>
+            <a:endParaRPr/>
+          </a:p>
+          <a:p>
+            <a:pPr lvl="1"/>
+            <a:r>
+              <a:rPr/>
+              <a:t>Includes course name, score, date, and wallet ID</a:t>
+            </a:r>
+            <a:r>
+              <a:t/>
+            </a:r>
+            <a:br/>
+            <a:endParaRPr/>
+          </a:p>
+          <a:p>
+            <a:pPr lvl="1"/>
+            <a:r>
+              <a:rPr/>
+              <a:t>Stored on Cardano, globally verifiable</a:t>
+            </a:r>
+            <a:r>
+              <a:t/>
+            </a:r>
+            <a:br/>
+            <a:endParaRPr/>
+          </a:p>
+          <a:p>
+            <a:pPr lvl="1"/>
+            <a:r>
+              <a:rPr/>
+              <a:t>No middleman. No forgery. You own it.</a:t>
             </a:r>
           </a:p>
         </p:txBody>
@@ -6593,7 +6041,9 @@
         </p:nvSpPr>
         <p:spPr/>
         <p:txBody>
-          <a:bodyPr/>
+          <a:bodyPr>
+            <a:normAutofit/>
+          </a:bodyPr>
           <a:lstStyle/>
           <a:p>
             <a:pPr marL="0" lvl="0" indent="0">
@@ -6601,7 +6051,7 @@
             </a:pPr>
             <a:r>
               <a:rPr/>
-              <a:t>What we’ve already built:</a:t>
+              <a:t>This isn’t just a project — it’s our pain.</a:t>
             </a:r>
           </a:p>
         </p:txBody>
@@ -6618,27 +6068,13 @@
         </p:nvSpPr>
         <p:spPr/>
         <p:txBody>
-          <a:bodyPr>
-            <a:normAutofit/>
-          </a:bodyPr>
+          <a:bodyPr/>
           <a:lstStyle/>
           <a:p>
             <a:pPr lvl="1"/>
             <a:r>
               <a:rPr/>
-              <a:t>📚 </a:t>
-            </a:r>
-            <a:r>
-              <a:rPr lang="en-US" dirty="0" smtClean="0"/>
-              <a:t>  </a:t>
-            </a:r>
-            <a:r>
-              <a:rPr smtClean="0"/>
-              <a:t>Course </a:t>
-            </a:r>
-            <a:r>
-              <a:rPr/>
-              <a:t>system (browse, enroll, track lessons)</a:t>
+              <a:t>We’re building tools we wish existed</a:t>
             </a:r>
             <a:r>
               <a:t/>
@@ -6650,19 +6086,7 @@
             <a:pPr lvl="1"/>
             <a:r>
               <a:rPr/>
-              <a:t>🧠 </a:t>
-            </a:r>
-            <a:r>
-              <a:rPr lang="en-US" dirty="0" smtClean="0"/>
-              <a:t>   </a:t>
-            </a:r>
-            <a:r>
-              <a:rPr smtClean="0"/>
-              <a:t>Quiz </a:t>
-            </a:r>
-            <a:r>
-              <a:rPr/>
-              <a:t>engine (per-lesson testing)</a:t>
+              <a:t>Our goal: make exams less scary and learning less stressful</a:t>
             </a:r>
             <a:r>
               <a:t/>
@@ -6674,19 +6098,7 @@
             <a:pPr lvl="1"/>
             <a:r>
               <a:rPr/>
-              <a:t>📄 </a:t>
-            </a:r>
-            <a:r>
-              <a:rPr lang="en-US" dirty="0" smtClean="0"/>
-              <a:t>   </a:t>
-            </a:r>
-            <a:r>
-              <a:rPr smtClean="0"/>
-              <a:t>Certificate </a:t>
-            </a:r>
-            <a:r>
-              <a:rPr/>
-              <a:t>generator (NFT-ready)</a:t>
+              <a:t>Helping students like us pass smarter, not harder</a:t>
             </a:r>
             <a:r>
               <a:t/>
@@ -6697,69 +6109,26 @@
           <a:p>
             <a:pPr lvl="1"/>
             <a:r>
+              <a:rPr/>
+              <a:t>Education should feel like learning, not </a:t>
+            </a:r>
+            <a:r>
               <a:rPr smtClean="0"/>
-              <a:t>🎓</a:t>
-            </a:r>
+              <a:t>punishment</a:t>
+            </a:r>
+            <a:endParaRPr lang="en-US" dirty="0" smtClean="0"/>
+          </a:p>
+          <a:p>
+            <a:pPr lvl="1"/>
+            <a:endParaRPr lang="en-US" dirty="0" smtClean="0"/>
+          </a:p>
+          <a:p>
+            <a:pPr lvl="1"/>
             <a:r>
               <a:rPr lang="en-US" dirty="0" smtClean="0"/>
-              <a:t>   </a:t>
-            </a:r>
-            <a:r>
-              <a:rPr smtClean="0"/>
-              <a:t> </a:t>
-            </a:r>
-            <a:r>
-              <a:rPr/>
-              <a:t>Educator dashboard (upload/manage content)</a:t>
-            </a:r>
-            <a:r>
-              <a:t/>
-            </a:r>
-            <a:br/>
+              <a:t>Make certificate valid with or without the institution</a:t>
+            </a:r>
             <a:endParaRPr/>
-          </a:p>
-          <a:p>
-            <a:pPr lvl="1"/>
-            <a:r>
-              <a:rPr/>
-              <a:t>🗳 </a:t>
-            </a:r>
-            <a:r>
-              <a:rPr lang="en-US" dirty="0" smtClean="0"/>
-              <a:t>   </a:t>
-            </a:r>
-            <a:r>
-              <a:rPr smtClean="0"/>
-              <a:t>Governance </a:t>
-            </a:r>
-            <a:r>
-              <a:rPr/>
-              <a:t>prototype (community voting)</a:t>
-            </a:r>
-            <a:r>
-              <a:t/>
-            </a:r>
-            <a:br/>
-            <a:endParaRPr/>
-          </a:p>
-          <a:p>
-            <a:pPr lvl="1"/>
-            <a:r>
-              <a:rPr/>
-              <a:t>🔒 </a:t>
-            </a:r>
-            <a:r>
-              <a:rPr lang="en-US" dirty="0" smtClean="0"/>
-              <a:t>   </a:t>
-            </a:r>
-            <a:r>
-              <a:rPr smtClean="0"/>
-              <a:t>Login</a:t>
-            </a:r>
-            <a:r>
-              <a:rPr/>
-              <a:t>, dashboard, and profile system</a:t>
-            </a:r>
           </a:p>
         </p:txBody>
       </p:sp>
@@ -6808,7 +6177,86 @@
             </a:pPr>
             <a:r>
               <a:rPr/>
-              <a:t>Slide 5: Smart Tech Stack</a:t>
+              <a:t>Young engineers on a mission</a:t>
+            </a:r>
+          </a:p>
+        </p:txBody>
+      </p:sp>
+      <p:sp>
+        <p:nvSpPr>
+          <p:cNvPr id="3" name="Content Placeholder 2"/>
+          <p:cNvSpPr>
+            <a:spLocks noGrp="1"/>
+          </p:cNvSpPr>
+          <p:nvPr>
+            <p:ph sz="quarter" idx="1"/>
+          </p:nvPr>
+        </p:nvSpPr>
+        <p:spPr/>
+        <p:txBody>
+          <a:bodyPr/>
+          <a:lstStyle/>
+          <a:p>
+            <a:pPr lvl="1"/>
+            <a:r>
+              <a:rPr/>
+              <a:t>Edward </a:t>
+            </a:r>
+            <a:r>
+              <a:rPr lang="en-US" smtClean="0"/>
+              <a:t> </a:t>
+            </a:r>
+            <a:r>
+              <a:rPr smtClean="0"/>
+              <a:t> </a:t>
+            </a:r>
+            <a:r>
+              <a:rPr/>
+              <a:t>– Fullstack </a:t>
+            </a:r>
+            <a:endParaRPr lang="en-US" dirty="0" smtClean="0"/>
+          </a:p>
+          <a:p>
+            <a:pPr lvl="1"/>
+            <a:endParaRPr/>
+          </a:p>
+          <a:p>
+            <a:pPr lvl="1"/>
+            <a:r>
+              <a:rPr lang="en-US" dirty="0" smtClean="0"/>
+              <a:t>Kennedy  – </a:t>
+            </a:r>
+            <a:r>
+              <a:rPr lang="en-US" dirty="0" err="1" smtClean="0"/>
+              <a:t>Blockchain</a:t>
+            </a:r>
+            <a:r>
+              <a:rPr lang="en-US" dirty="0" smtClean="0"/>
+              <a:t> Developer</a:t>
+            </a:r>
+            <a:r>
+              <a:t/>
+            </a:r>
+            <a:br/>
+            <a:endParaRPr/>
+          </a:p>
+          <a:p>
+            <a:pPr lvl="1"/>
+            <a:r>
+              <a:rPr/>
+              <a:t>Backend, Frontend, Smart Contracts, Product</a:t>
+            </a:r>
+            <a:r>
+              <a:t/>
+            </a:r>
+            <a:br/>
+            <a:endParaRPr/>
+          </a:p>
+          <a:p>
+            <a:pPr lvl="1"/>
+            <a:r>
+              <a:rPr/>
+              <a:t>Mentors: Hackathon &amp; Cardano community</a:t>
             </a:r>
           </a:p>
         </p:txBody>

--- a/presentation/Pitch.pptx
+++ b/presentation/Pitch.pptx
@@ -115,7 +115,7 @@
   </p:defaultTextStyle>
   <p:extLst>
     <p:ext uri="{EFAFB233-063F-42B5-8137-9DF3F51BA10A}">
-      <p15:sldGuideLst xmlns:p15="http://schemas.microsoft.com/office/powerpoint/2012/main" xmlns="">
+      <p15:sldGuideLst xmlns="" xmlns:p15="http://schemas.microsoft.com/office/powerpoint/2012/main">
         <p15:guide id="1" orient="horz" pos="2160">
           <p15:clr>
             <a:srgbClr val="A4A3A4"/>
@@ -5080,6 +5080,10 @@
               <a:rPr lang="en-US" dirty="0" err="1" smtClean="0"/>
               <a:t>ProffLearn</a:t>
             </a:r>
+            <a:r>
+              <a:rPr lang="en-US" smtClean="0"/>
+              <a:t> </a:t>
+            </a:r>
             <a:endParaRPr/>
           </a:p>
         </p:txBody>

--- a/presentation/Pitch.pptx
+++ b/presentation/Pitch.pptx
@@ -115,7 +115,7 @@
   </p:defaultTextStyle>
   <p:extLst>
     <p:ext uri="{EFAFB233-063F-42B5-8137-9DF3F51BA10A}">
-      <p15:sldGuideLst xmlns="" xmlns:p15="http://schemas.microsoft.com/office/powerpoint/2012/main">
+      <p15:sldGuideLst xmlns:p15="http://schemas.microsoft.com/office/powerpoint/2012/main" xmlns="">
         <p15:guide id="1" orient="horz" pos="2160">
           <p15:clr>
             <a:srgbClr val="A4A3A4"/>
@@ -270,7 +270,7 @@
             <a:fld id="{241EB5C9-1307-BA42-ABA2-0BC069CD8E7F}" type="datetimeFigureOut">
               <a:rPr lang="en-US" smtClean="0"/>
               <a:pPr/>
-              <a:t>7/14/2025</a:t>
+              <a:t>7/15/2025</a:t>
             </a:fld>
             <a:endParaRPr lang="en-US"/>
           </a:p>
@@ -1141,7 +1141,7 @@
             <a:fld id="{241EB5C9-1307-BA42-ABA2-0BC069CD8E7F}" type="datetimeFigureOut">
               <a:rPr lang="en-US" smtClean="0"/>
               <a:pPr/>
-              <a:t>7/14/2025</a:t>
+              <a:t>7/15/2025</a:t>
             </a:fld>
             <a:endParaRPr lang="en-US"/>
           </a:p>
@@ -1318,7 +1318,7 @@
             <a:fld id="{241EB5C9-1307-BA42-ABA2-0BC069CD8E7F}" type="datetimeFigureOut">
               <a:rPr lang="en-US" smtClean="0"/>
               <a:pPr/>
-              <a:t>7/14/2025</a:t>
+              <a:t>7/15/2025</a:t>
             </a:fld>
             <a:endParaRPr lang="en-US"/>
           </a:p>
@@ -1490,7 +1490,7 @@
             <a:fld id="{241EB5C9-1307-BA42-ABA2-0BC069CD8E7F}" type="datetimeFigureOut">
               <a:rPr lang="en-US" smtClean="0"/>
               <a:pPr/>
-              <a:t>7/14/2025</a:t>
+              <a:t>7/15/2025</a:t>
             </a:fld>
             <a:endParaRPr lang="en-US"/>
           </a:p>
@@ -1702,7 +1702,7 @@
             <a:fld id="{241EB5C9-1307-BA42-ABA2-0BC069CD8E7F}" type="datetimeFigureOut">
               <a:rPr lang="en-US" smtClean="0"/>
               <a:pPr/>
-              <a:t>7/14/2025</a:t>
+              <a:t>7/15/2025</a:t>
             </a:fld>
             <a:endParaRPr lang="en-US"/>
           </a:p>
@@ -2518,7 +2518,7 @@
             <a:fld id="{241EB5C9-1307-BA42-ABA2-0BC069CD8E7F}" type="datetimeFigureOut">
               <a:rPr lang="en-US" smtClean="0"/>
               <a:pPr/>
-              <a:t>7/14/2025</a:t>
+              <a:t>7/15/2025</a:t>
             </a:fld>
             <a:endParaRPr lang="en-US"/>
           </a:p>
@@ -2756,7 +2756,7 @@
             <a:fld id="{241EB5C9-1307-BA42-ABA2-0BC069CD8E7F}" type="datetimeFigureOut">
               <a:rPr lang="en-US" smtClean="0"/>
               <a:pPr/>
-              <a:t>7/14/2025</a:t>
+              <a:t>7/15/2025</a:t>
             </a:fld>
             <a:endParaRPr lang="en-US"/>
           </a:p>
@@ -3081,7 +3081,7 @@
             <a:fld id="{241EB5C9-1307-BA42-ABA2-0BC069CD8E7F}" type="datetimeFigureOut">
               <a:rPr lang="en-US" smtClean="0"/>
               <a:pPr/>
-              <a:t>7/14/2025</a:t>
+              <a:t>7/15/2025</a:t>
             </a:fld>
             <a:endParaRPr lang="en-US"/>
           </a:p>
@@ -3173,7 +3173,7 @@
             <a:fld id="{241EB5C9-1307-BA42-ABA2-0BC069CD8E7F}" type="datetimeFigureOut">
               <a:rPr lang="en-US" smtClean="0"/>
               <a:pPr/>
-              <a:t>7/14/2025</a:t>
+              <a:t>7/15/2025</a:t>
             </a:fld>
             <a:endParaRPr lang="en-US"/>
           </a:p>
@@ -3692,7 +3692,7 @@
             <a:fld id="{241EB5C9-1307-BA42-ABA2-0BC069CD8E7F}" type="datetimeFigureOut">
               <a:rPr lang="en-US" smtClean="0"/>
               <a:pPr/>
-              <a:t>7/14/2025</a:t>
+              <a:t>7/15/2025</a:t>
             </a:fld>
             <a:endParaRPr lang="en-US"/>
           </a:p>
@@ -4205,7 +4205,7 @@
             <a:fld id="{241EB5C9-1307-BA42-ABA2-0BC069CD8E7F}" type="datetimeFigureOut">
               <a:rPr lang="en-US" smtClean="0"/>
               <a:pPr/>
-              <a:t>7/14/2025</a:t>
+              <a:t>7/15/2025</a:t>
             </a:fld>
             <a:endParaRPr lang="en-US"/>
           </a:p>
@@ -4452,7 +4452,7 @@
             <a:fld id="{241EB5C9-1307-BA42-ABA2-0BC069CD8E7F}" type="datetimeFigureOut">
               <a:rPr lang="en-US" smtClean="0"/>
               <a:pPr/>
-              <a:t>7/14/2025</a:t>
+              <a:t>7/15/2025</a:t>
             </a:fld>
             <a:endParaRPr lang="en-US"/>
           </a:p>
@@ -5077,11 +5077,11 @@
               <a:buNone/>
             </a:pPr>
             <a:r>
-              <a:rPr lang="en-US" dirty="0" err="1" smtClean="0"/>
-              <a:t>ProffLearn</a:t>
-            </a:r>
-            <a:r>
               <a:rPr lang="en-US" smtClean="0"/>
+              <a:t> ProffLearn</a:t>
+            </a:r>
+            <a:r>
+              <a:rPr lang="en-US" dirty="0" smtClean="0"/>
               <a:t> </a:t>
             </a:r>
             <a:endParaRPr/>
